--- a/Entregues/Entrega1/ConquerChibi.pptx
+++ b/Entregues/Entrega1/ConquerChibi.pptx
@@ -109,6 +109,11 @@
       </a:defRPr>
     </a:lvl9pPr>
   </p:defaultTextStyle>
+  <p:extLst>
+    <p:ext uri="{EFAFB233-063F-42B5-8137-9DF3F51BA10A}">
+      <p15:sldGuideLst xmlns:p15="http://schemas.microsoft.com/office/powerpoint/2012/main"/>
+    </p:ext>
+  </p:extLst>
 </p:presentation>
 </file>
 
@@ -3713,7 +3718,7 @@
       <dgm:spPr/>
     </dgm:pt>
     <dgm:pt modelId="{DA6B3BAC-2F35-4128-BB89-A20E89C9C11C}" type="pres">
-      <dgm:prSet presAssocID="{9C3969FA-E9D3-40C9-9EEF-C9CB79BD4680}" presName="bgRect" presStyleLbl="bgShp" presStyleIdx="0" presStyleCnt="3"/>
+      <dgm:prSet presAssocID="{9C3969FA-E9D3-40C9-9EEF-C9CB79BD4680}" presName="bgRect" presStyleLbl="bgShp" presStyleIdx="0" presStyleCnt="3" custLinFactNeighborX="-546" custLinFactNeighborY="-10709"/>
       <dgm:spPr/>
     </dgm:pt>
     <dgm:pt modelId="{CF50F655-915C-415B-AA40-255516E62348}" type="pres">
@@ -4989,7 +4994,7 @@
       </dsp:nvSpPr>
       <dsp:spPr>
         <a:xfrm>
-          <a:off x="0" y="680"/>
+          <a:off x="0" y="0"/>
           <a:ext cx="6261100" cy="1593460"/>
         </a:xfrm>
         <a:prstGeom prst="roundRect">
@@ -20125,13 +20130,13 @@
             <p:ph idx="1"/>
             <p:extLst>
               <p:ext uri="{D42A27DB-BD31-4B8C-83A1-F6EECF244321}">
-                <p14:modId xmlns:p14="http://schemas.microsoft.com/office/powerpoint/2010/main" val="3819832928"/>
+                <p14:modId xmlns:p14="http://schemas.microsoft.com/office/powerpoint/2010/main" val="1915107642"/>
               </p:ext>
             </p:extLst>
           </p:nvPr>
         </p:nvGraphicFramePr>
         <p:xfrm>
-          <a:off x="5284788" y="639763"/>
+          <a:off x="5284788" y="604253"/>
           <a:ext cx="6261100" cy="5578475"/>
         </p:xfrm>
         <a:graphic>
@@ -20150,6 +20155,9 @@
   <p:clrMapOvr>
     <a:masterClrMapping/>
   </p:clrMapOvr>
+  <p:transition spd="slow">
+    <p:push dir="u"/>
+  </p:transition>
 </p:sld>
 </file>
 
@@ -20285,6 +20293,18 @@
   <p:clrMapOvr>
     <a:masterClrMapping/>
   </p:clrMapOvr>
+  <mc:AlternateContent xmlns:mc="http://schemas.openxmlformats.org/markup-compatibility/2006">
+    <mc:Choice xmlns:p14="http://schemas.microsoft.com/office/powerpoint/2010/main" Requires="p14">
+      <p:transition spd="slow" p14:dur="3400">
+        <p14:reveal/>
+      </p:transition>
+    </mc:Choice>
+    <mc:Fallback>
+      <p:transition spd="slow">
+        <p:fade/>
+      </p:transition>
+    </mc:Fallback>
+  </mc:AlternateContent>
 </p:sld>
 </file>
 
@@ -20412,6 +20432,18 @@
   <p:clrMapOvr>
     <a:masterClrMapping/>
   </p:clrMapOvr>
+  <mc:AlternateContent xmlns:mc="http://schemas.openxmlformats.org/markup-compatibility/2006">
+    <mc:Choice xmlns:p14="http://schemas.microsoft.com/office/powerpoint/2010/main" Requires="p14">
+      <p:transition spd="slow" p14:dur="3400">
+        <p14:reveal/>
+      </p:transition>
+    </mc:Choice>
+    <mc:Fallback>
+      <p:transition spd="slow">
+        <p:fade/>
+      </p:transition>
+    </mc:Fallback>
+  </mc:AlternateContent>
 </p:sld>
 </file>
 
@@ -20539,6 +20571,18 @@
   <p:clrMapOvr>
     <a:masterClrMapping/>
   </p:clrMapOvr>
+  <mc:AlternateContent xmlns:mc="http://schemas.openxmlformats.org/markup-compatibility/2006">
+    <mc:Choice xmlns:p14="http://schemas.microsoft.com/office/powerpoint/2010/main" Requires="p14">
+      <p:transition spd="slow" p14:dur="3400">
+        <p14:reveal/>
+      </p:transition>
+    </mc:Choice>
+    <mc:Fallback>
+      <p:transition spd="slow">
+        <p:fade/>
+      </p:transition>
+    </mc:Fallback>
+  </mc:AlternateContent>
 </p:sld>
 </file>
 
@@ -21145,6 +21189,9 @@
   <p:clrMapOvr>
     <a:masterClrMapping/>
   </p:clrMapOvr>
+  <p:transition spd="med">
+    <p:pull/>
+  </p:transition>
 </p:sld>
 </file>
 
